--- a/Submission Documents/Strategic Oboarding Process.pptx
+++ b/Submission Documents/Strategic Oboarding Process.pptx
@@ -7,6 +7,7 @@
   <p:sldIdLst>
     <p:sldId id="257" r:id="rId2"/>
     <p:sldId id="258" r:id="rId3"/>
+    <p:sldId id="259" r:id="rId4"/>
   </p:sldIdLst>
   <p:sldSz cx="12192000" cy="6858000"/>
   <p:notesSz cx="6858000" cy="9144000"/>
@@ -105,6 +106,11 @@
       </a:defRPr>
     </a:lvl9pPr>
   </p:defaultTextStyle>
+  <p:extLst>
+    <p:ext uri="{EFAFB233-063F-42B5-8137-9DF3F51BA10A}">
+      <p15:sldGuideLst xmlns:p15="http://schemas.microsoft.com/office/powerpoint/2012/main"/>
+    </p:ext>
+  </p:extLst>
 </p:presentation>
 </file>
 
@@ -259,7 +265,7 @@
           <a:p>
             <a:fld id="{CE0C4849-8D25-42F9-B625-9EDC5F0AAD8F}" type="datetimeFigureOut">
               <a:rPr lang="en-US" smtClean="0"/>
-              <a:t>5/22/2018</a:t>
+              <a:t>5/24/2018</a:t>
             </a:fld>
             <a:endParaRPr lang="en-US"/>
           </a:p>
@@ -457,7 +463,7 @@
           <a:p>
             <a:fld id="{CE0C4849-8D25-42F9-B625-9EDC5F0AAD8F}" type="datetimeFigureOut">
               <a:rPr lang="en-US" smtClean="0"/>
-              <a:t>5/22/2018</a:t>
+              <a:t>5/24/2018</a:t>
             </a:fld>
             <a:endParaRPr lang="en-US"/>
           </a:p>
@@ -665,7 +671,7 @@
           <a:p>
             <a:fld id="{CE0C4849-8D25-42F9-B625-9EDC5F0AAD8F}" type="datetimeFigureOut">
               <a:rPr lang="en-US" smtClean="0"/>
-              <a:t>5/22/2018</a:t>
+              <a:t>5/24/2018</a:t>
             </a:fld>
             <a:endParaRPr lang="en-US"/>
           </a:p>
@@ -863,7 +869,7 @@
           <a:p>
             <a:fld id="{CE0C4849-8D25-42F9-B625-9EDC5F0AAD8F}" type="datetimeFigureOut">
               <a:rPr lang="en-US" smtClean="0"/>
-              <a:t>5/22/2018</a:t>
+              <a:t>5/24/2018</a:t>
             </a:fld>
             <a:endParaRPr lang="en-US"/>
           </a:p>
@@ -1138,7 +1144,7 @@
           <a:p>
             <a:fld id="{CE0C4849-8D25-42F9-B625-9EDC5F0AAD8F}" type="datetimeFigureOut">
               <a:rPr lang="en-US" smtClean="0"/>
-              <a:t>5/22/2018</a:t>
+              <a:t>5/24/2018</a:t>
             </a:fld>
             <a:endParaRPr lang="en-US"/>
           </a:p>
@@ -1403,7 +1409,7 @@
           <a:p>
             <a:fld id="{CE0C4849-8D25-42F9-B625-9EDC5F0AAD8F}" type="datetimeFigureOut">
               <a:rPr lang="en-US" smtClean="0"/>
-              <a:t>5/22/2018</a:t>
+              <a:t>5/24/2018</a:t>
             </a:fld>
             <a:endParaRPr lang="en-US"/>
           </a:p>
@@ -1815,7 +1821,7 @@
           <a:p>
             <a:fld id="{CE0C4849-8D25-42F9-B625-9EDC5F0AAD8F}" type="datetimeFigureOut">
               <a:rPr lang="en-US" smtClean="0"/>
-              <a:t>5/22/2018</a:t>
+              <a:t>5/24/2018</a:t>
             </a:fld>
             <a:endParaRPr lang="en-US"/>
           </a:p>
@@ -1956,7 +1962,7 @@
           <a:p>
             <a:fld id="{CE0C4849-8D25-42F9-B625-9EDC5F0AAD8F}" type="datetimeFigureOut">
               <a:rPr lang="en-US" smtClean="0"/>
-              <a:t>5/22/2018</a:t>
+              <a:t>5/24/2018</a:t>
             </a:fld>
             <a:endParaRPr lang="en-US"/>
           </a:p>
@@ -2069,7 +2075,7 @@
           <a:p>
             <a:fld id="{CE0C4849-8D25-42F9-B625-9EDC5F0AAD8F}" type="datetimeFigureOut">
               <a:rPr lang="en-US" smtClean="0"/>
-              <a:t>5/22/2018</a:t>
+              <a:t>5/24/2018</a:t>
             </a:fld>
             <a:endParaRPr lang="en-US"/>
           </a:p>
@@ -2380,7 +2386,7 @@
           <a:p>
             <a:fld id="{CE0C4849-8D25-42F9-B625-9EDC5F0AAD8F}" type="datetimeFigureOut">
               <a:rPr lang="en-US" smtClean="0"/>
-              <a:t>5/22/2018</a:t>
+              <a:t>5/24/2018</a:t>
             </a:fld>
             <a:endParaRPr lang="en-US"/>
           </a:p>
@@ -2668,7 +2674,7 @@
           <a:p>
             <a:fld id="{CE0C4849-8D25-42F9-B625-9EDC5F0AAD8F}" type="datetimeFigureOut">
               <a:rPr lang="en-US" smtClean="0"/>
-              <a:t>5/22/2018</a:t>
+              <a:t>5/24/2018</a:t>
             </a:fld>
             <a:endParaRPr lang="en-US"/>
           </a:p>
@@ -2909,7 +2915,7 @@
           <a:p>
             <a:fld id="{CE0C4849-8D25-42F9-B625-9EDC5F0AAD8F}" type="datetimeFigureOut">
               <a:rPr lang="en-US" smtClean="0"/>
-              <a:t>5/22/2018</a:t>
+              <a:t>5/24/2018</a:t>
             </a:fld>
             <a:endParaRPr lang="en-US"/>
           </a:p>
@@ -3410,14 +3416,22 @@
           <a:p>
             <a:pPr algn="ctr"/>
             <a:r>
-              <a:rPr lang="de-CH" dirty="0"/>
-              <a:t>Onboarding </a:t>
-            </a:r>
-            <a:r>
-              <a:rPr lang="de-CH" dirty="0" err="1"/>
+              <a:rPr lang="de-CH" sz="3600" dirty="0"/>
+              <a:t>FHNW School </a:t>
+            </a:r>
+            <a:r>
+              <a:rPr lang="de-CH" sz="3600" dirty="0" err="1"/>
+              <a:t>of</a:t>
+            </a:r>
+            <a:r>
+              <a:rPr lang="de-CH" sz="3600" dirty="0"/>
+              <a:t> Business: Onboarding </a:t>
+            </a:r>
+            <a:r>
+              <a:rPr lang="de-CH" sz="3600" dirty="0" err="1"/>
               <a:t>Process</a:t>
             </a:r>
-            <a:endParaRPr lang="en-US" dirty="0"/>
+            <a:endParaRPr lang="de-CH" sz="3600" dirty="0"/>
           </a:p>
         </p:txBody>
       </p:sp>
@@ -3464,6 +3478,21 @@
           <a:p>
             <a:pPr algn="ctr"/>
             <a:r>
+              <a:rPr lang="de-CH" dirty="0"/>
+              <a:t>Sub-</a:t>
+            </a:r>
+            <a:r>
+              <a:rPr lang="de-CH" dirty="0" err="1"/>
+              <a:t>Process</a:t>
+            </a:r>
+            <a:r>
+              <a:rPr lang="de-CH" dirty="0"/>
+              <a:t>:</a:t>
+            </a:r>
+          </a:p>
+          <a:p>
+            <a:pPr algn="ctr"/>
+            <a:r>
               <a:rPr lang="de-CH" dirty="0" err="1"/>
               <a:t>Recommend</a:t>
             </a:r>
@@ -3519,6 +3548,22 @@
         <p:txBody>
           <a:bodyPr rtlCol="0" anchor="ctr"/>
           <a:lstStyle/>
+          <a:p>
+            <a:pPr algn="ctr"/>
+            <a:r>
+              <a:rPr lang="de-CH" dirty="0"/>
+              <a:t>Sub-</a:t>
+            </a:r>
+            <a:r>
+              <a:rPr lang="de-CH" dirty="0" err="1"/>
+              <a:t>Process</a:t>
+            </a:r>
+            <a:r>
+              <a:rPr lang="de-CH"/>
+              <a:t>:</a:t>
+            </a:r>
+            <a:endParaRPr lang="de-CH" dirty="0"/>
+          </a:p>
           <a:p>
             <a:pPr algn="ctr"/>
             <a:r>
@@ -3664,6 +3709,1630 @@
     <p:extLst>
       <p:ext uri="{BB962C8B-B14F-4D97-AF65-F5344CB8AC3E}">
         <p14:creationId xmlns:p14="http://schemas.microsoft.com/office/powerpoint/2010/main" val="1659718332"/>
+      </p:ext>
+    </p:extLst>
+  </p:cSld>
+  <p:clrMapOvr>
+    <a:masterClrMapping/>
+  </p:clrMapOvr>
+</p:sld>
+</file>
+
+<file path=ppt/slides/slide3.xml><?xml version="1.0" encoding="utf-8"?>
+<p:sld xmlns:a="http://schemas.openxmlformats.org/drawingml/2006/main" xmlns:r="http://schemas.openxmlformats.org/officeDocument/2006/relationships" xmlns:p="http://schemas.openxmlformats.org/presentationml/2006/main">
+  <p:cSld>
+    <p:spTree>
+      <p:nvGrpSpPr>
+        <p:cNvPr id="1" name=""/>
+        <p:cNvGrpSpPr/>
+        <p:nvPr/>
+      </p:nvGrpSpPr>
+      <p:grpSpPr>
+        <a:xfrm>
+          <a:off x="0" y="0"/>
+          <a:ext cx="0" cy="0"/>
+          <a:chOff x="0" y="0"/>
+          <a:chExt cx="0" cy="0"/>
+        </a:xfrm>
+      </p:grpSpPr>
+      <p:sp>
+        <p:nvSpPr>
+          <p:cNvPr id="27" name="Rectangle 26">
+            <a:extLst>
+              <a:ext uri="{FF2B5EF4-FFF2-40B4-BE49-F238E27FC236}">
+                <a16:creationId xmlns:a16="http://schemas.microsoft.com/office/drawing/2014/main" id="{8FA11B9E-031E-497F-821E-E4A8A2BC5E21}"/>
+              </a:ext>
+            </a:extLst>
+          </p:cNvPr>
+          <p:cNvSpPr/>
+          <p:nvPr/>
+        </p:nvSpPr>
+        <p:spPr>
+          <a:xfrm>
+            <a:off x="145010" y="2175163"/>
+            <a:ext cx="1220585" cy="3916706"/>
+          </a:xfrm>
+          <a:prstGeom prst="rect">
+            <a:avLst/>
+          </a:prstGeom>
+          <a:solidFill>
+            <a:schemeClr val="accent4">
+              <a:lumMod val="20000"/>
+              <a:lumOff val="80000"/>
+            </a:schemeClr>
+          </a:solidFill>
+          <a:ln>
+            <a:noFill/>
+          </a:ln>
+        </p:spPr>
+        <p:style>
+          <a:lnRef idx="2">
+            <a:schemeClr val="accent1">
+              <a:shade val="50000"/>
+            </a:schemeClr>
+          </a:lnRef>
+          <a:fillRef idx="1">
+            <a:schemeClr val="accent1"/>
+          </a:fillRef>
+          <a:effectRef idx="0">
+            <a:schemeClr val="accent1"/>
+          </a:effectRef>
+          <a:fontRef idx="minor">
+            <a:schemeClr val="lt1"/>
+          </a:fontRef>
+        </p:style>
+        <p:txBody>
+          <a:bodyPr rtlCol="0" anchor="ctr"/>
+          <a:lstStyle/>
+          <a:p>
+            <a:pPr algn="ctr"/>
+            <a:endParaRPr lang="en-US" sz="1200" dirty="0">
+              <a:solidFill>
+                <a:schemeClr val="tx1"/>
+              </a:solidFill>
+            </a:endParaRPr>
+          </a:p>
+        </p:txBody>
+      </p:sp>
+      <p:sp>
+        <p:nvSpPr>
+          <p:cNvPr id="12" name="Rectangle 11">
+            <a:extLst>
+              <a:ext uri="{FF2B5EF4-FFF2-40B4-BE49-F238E27FC236}">
+                <a16:creationId xmlns:a16="http://schemas.microsoft.com/office/drawing/2014/main" id="{3B7B5AFF-2000-4CAF-8997-59362D4CD148}"/>
+              </a:ext>
+            </a:extLst>
+          </p:cNvPr>
+          <p:cNvSpPr/>
+          <p:nvPr/>
+        </p:nvSpPr>
+        <p:spPr>
+          <a:xfrm>
+            <a:off x="1370214" y="457210"/>
+            <a:ext cx="10679545" cy="1200726"/>
+          </a:xfrm>
+          <a:prstGeom prst="rect">
+            <a:avLst/>
+          </a:prstGeom>
+          <a:solidFill>
+            <a:schemeClr val="accent2">
+              <a:lumMod val="20000"/>
+              <a:lumOff val="80000"/>
+            </a:schemeClr>
+          </a:solidFill>
+          <a:ln>
+            <a:noFill/>
+          </a:ln>
+        </p:spPr>
+        <p:style>
+          <a:lnRef idx="2">
+            <a:schemeClr val="accent1">
+              <a:shade val="50000"/>
+            </a:schemeClr>
+          </a:lnRef>
+          <a:fillRef idx="1">
+            <a:schemeClr val="accent1"/>
+          </a:fillRef>
+          <a:effectRef idx="0">
+            <a:schemeClr val="accent1"/>
+          </a:effectRef>
+          <a:fontRef idx="minor">
+            <a:schemeClr val="lt1"/>
+          </a:fontRef>
+        </p:style>
+        <p:txBody>
+          <a:bodyPr rtlCol="0" anchor="ctr"/>
+          <a:lstStyle/>
+          <a:p>
+            <a:pPr algn="ctr"/>
+            <a:endParaRPr lang="en-US"/>
+          </a:p>
+        </p:txBody>
+      </p:sp>
+      <p:sp>
+        <p:nvSpPr>
+          <p:cNvPr id="4" name="Arrow: Chevron 3">
+            <a:extLst>
+              <a:ext uri="{FF2B5EF4-FFF2-40B4-BE49-F238E27FC236}">
+                <a16:creationId xmlns:a16="http://schemas.microsoft.com/office/drawing/2014/main" id="{60AB4EAB-54C9-4A8B-8612-B16836747715}"/>
+              </a:ext>
+            </a:extLst>
+          </p:cNvPr>
+          <p:cNvSpPr/>
+          <p:nvPr/>
+        </p:nvSpPr>
+        <p:spPr>
+          <a:xfrm>
+            <a:off x="1520305" y="618845"/>
+            <a:ext cx="2041236" cy="914400"/>
+          </a:xfrm>
+          <a:prstGeom prst="chevron">
+            <a:avLst/>
+          </a:prstGeom>
+          <a:solidFill>
+            <a:schemeClr val="accent2">
+              <a:lumMod val="75000"/>
+            </a:schemeClr>
+          </a:solidFill>
+          <a:ln>
+            <a:noFill/>
+          </a:ln>
+        </p:spPr>
+        <p:style>
+          <a:lnRef idx="2">
+            <a:schemeClr val="accent1">
+              <a:shade val="50000"/>
+            </a:schemeClr>
+          </a:lnRef>
+          <a:fillRef idx="1">
+            <a:schemeClr val="accent1"/>
+          </a:fillRef>
+          <a:effectRef idx="0">
+            <a:schemeClr val="accent1"/>
+          </a:effectRef>
+          <a:fontRef idx="minor">
+            <a:schemeClr val="lt1"/>
+          </a:fontRef>
+        </p:style>
+        <p:txBody>
+          <a:bodyPr rtlCol="0" anchor="ctr"/>
+          <a:lstStyle/>
+          <a:p>
+            <a:pPr algn="ctr"/>
+            <a:r>
+              <a:rPr lang="de-CH" dirty="0" err="1">
+                <a:solidFill>
+                  <a:schemeClr val="bg1"/>
+                </a:solidFill>
+              </a:rPr>
+              <a:t>February</a:t>
+            </a:r>
+            <a:endParaRPr lang="en-US" dirty="0">
+              <a:solidFill>
+                <a:schemeClr val="bg1"/>
+              </a:solidFill>
+            </a:endParaRPr>
+          </a:p>
+        </p:txBody>
+      </p:sp>
+      <p:sp>
+        <p:nvSpPr>
+          <p:cNvPr id="5" name="Arrow: Chevron 4">
+            <a:extLst>
+              <a:ext uri="{FF2B5EF4-FFF2-40B4-BE49-F238E27FC236}">
+                <a16:creationId xmlns:a16="http://schemas.microsoft.com/office/drawing/2014/main" id="{8F0AA2D7-65AC-4805-9FAD-4BE71B523FE8}"/>
+              </a:ext>
+            </a:extLst>
+          </p:cNvPr>
+          <p:cNvSpPr/>
+          <p:nvPr/>
+        </p:nvSpPr>
+        <p:spPr>
+          <a:xfrm>
+            <a:off x="3641205" y="614226"/>
+            <a:ext cx="2041236" cy="914400"/>
+          </a:xfrm>
+          <a:prstGeom prst="chevron">
+            <a:avLst/>
+          </a:prstGeom>
+          <a:solidFill>
+            <a:schemeClr val="accent2">
+              <a:lumMod val="75000"/>
+            </a:schemeClr>
+          </a:solidFill>
+          <a:ln>
+            <a:noFill/>
+          </a:ln>
+        </p:spPr>
+        <p:style>
+          <a:lnRef idx="2">
+            <a:schemeClr val="accent1">
+              <a:shade val="50000"/>
+            </a:schemeClr>
+          </a:lnRef>
+          <a:fillRef idx="1">
+            <a:schemeClr val="accent1"/>
+          </a:fillRef>
+          <a:effectRef idx="0">
+            <a:schemeClr val="accent1"/>
+          </a:effectRef>
+          <a:fontRef idx="minor">
+            <a:schemeClr val="lt1"/>
+          </a:fontRef>
+        </p:style>
+        <p:txBody>
+          <a:bodyPr rtlCol="0" anchor="ctr"/>
+          <a:lstStyle/>
+          <a:p>
+            <a:pPr algn="ctr"/>
+            <a:r>
+              <a:rPr lang="de-CH" dirty="0">
+                <a:solidFill>
+                  <a:schemeClr val="bg1"/>
+                </a:solidFill>
+              </a:rPr>
+              <a:t>March</a:t>
+            </a:r>
+            <a:endParaRPr lang="en-US" dirty="0">
+              <a:solidFill>
+                <a:schemeClr val="bg1"/>
+              </a:solidFill>
+            </a:endParaRPr>
+          </a:p>
+        </p:txBody>
+      </p:sp>
+      <p:sp>
+        <p:nvSpPr>
+          <p:cNvPr id="6" name="Arrow: Chevron 5">
+            <a:extLst>
+              <a:ext uri="{FF2B5EF4-FFF2-40B4-BE49-F238E27FC236}">
+                <a16:creationId xmlns:a16="http://schemas.microsoft.com/office/drawing/2014/main" id="{98BDB034-41D8-4A06-8FC2-283965B40DDC}"/>
+              </a:ext>
+            </a:extLst>
+          </p:cNvPr>
+          <p:cNvSpPr/>
+          <p:nvPr/>
+        </p:nvSpPr>
+        <p:spPr>
+          <a:xfrm>
+            <a:off x="5682441" y="616679"/>
+            <a:ext cx="2041236" cy="914400"/>
+          </a:xfrm>
+          <a:prstGeom prst="chevron">
+            <a:avLst/>
+          </a:prstGeom>
+          <a:solidFill>
+            <a:schemeClr val="accent2">
+              <a:lumMod val="75000"/>
+            </a:schemeClr>
+          </a:solidFill>
+          <a:ln>
+            <a:noFill/>
+          </a:ln>
+        </p:spPr>
+        <p:style>
+          <a:lnRef idx="2">
+            <a:schemeClr val="accent1">
+              <a:shade val="50000"/>
+            </a:schemeClr>
+          </a:lnRef>
+          <a:fillRef idx="1">
+            <a:schemeClr val="accent1"/>
+          </a:fillRef>
+          <a:effectRef idx="0">
+            <a:schemeClr val="accent1"/>
+          </a:effectRef>
+          <a:fontRef idx="minor">
+            <a:schemeClr val="lt1"/>
+          </a:fontRef>
+        </p:style>
+        <p:txBody>
+          <a:bodyPr rtlCol="0" anchor="ctr"/>
+          <a:lstStyle/>
+          <a:p>
+            <a:pPr algn="ctr"/>
+            <a:r>
+              <a:rPr lang="de-CH" dirty="0">
+                <a:solidFill>
+                  <a:schemeClr val="bg1"/>
+                </a:solidFill>
+              </a:rPr>
+              <a:t>April</a:t>
+            </a:r>
+            <a:endParaRPr lang="en-US" dirty="0">
+              <a:solidFill>
+                <a:schemeClr val="bg1"/>
+              </a:solidFill>
+            </a:endParaRPr>
+          </a:p>
+        </p:txBody>
+      </p:sp>
+      <p:sp>
+        <p:nvSpPr>
+          <p:cNvPr id="7" name="Arrow: Chevron 6">
+            <a:extLst>
+              <a:ext uri="{FF2B5EF4-FFF2-40B4-BE49-F238E27FC236}">
+                <a16:creationId xmlns:a16="http://schemas.microsoft.com/office/drawing/2014/main" id="{F7FAB515-3993-4304-8FFD-BD33FC094188}"/>
+              </a:ext>
+            </a:extLst>
+          </p:cNvPr>
+          <p:cNvSpPr/>
+          <p:nvPr/>
+        </p:nvSpPr>
+        <p:spPr>
+          <a:xfrm>
+            <a:off x="7803341" y="600373"/>
+            <a:ext cx="2041236" cy="914400"/>
+          </a:xfrm>
+          <a:prstGeom prst="chevron">
+            <a:avLst/>
+          </a:prstGeom>
+          <a:solidFill>
+            <a:schemeClr val="accent2">
+              <a:lumMod val="75000"/>
+            </a:schemeClr>
+          </a:solidFill>
+          <a:ln>
+            <a:noFill/>
+          </a:ln>
+        </p:spPr>
+        <p:style>
+          <a:lnRef idx="2">
+            <a:schemeClr val="accent1">
+              <a:shade val="50000"/>
+            </a:schemeClr>
+          </a:lnRef>
+          <a:fillRef idx="1">
+            <a:schemeClr val="accent1"/>
+          </a:fillRef>
+          <a:effectRef idx="0">
+            <a:schemeClr val="accent1"/>
+          </a:effectRef>
+          <a:fontRef idx="minor">
+            <a:schemeClr val="lt1"/>
+          </a:fontRef>
+        </p:style>
+        <p:txBody>
+          <a:bodyPr rtlCol="0" anchor="ctr"/>
+          <a:lstStyle/>
+          <a:p>
+            <a:pPr algn="ctr"/>
+            <a:r>
+              <a:rPr lang="de-CH" dirty="0">
+                <a:solidFill>
+                  <a:schemeClr val="bg1"/>
+                </a:solidFill>
+              </a:rPr>
+              <a:t>May</a:t>
+            </a:r>
+            <a:endParaRPr lang="en-US" dirty="0">
+              <a:solidFill>
+                <a:schemeClr val="bg1"/>
+              </a:solidFill>
+            </a:endParaRPr>
+          </a:p>
+        </p:txBody>
+      </p:sp>
+      <p:sp>
+        <p:nvSpPr>
+          <p:cNvPr id="8" name="Arrow: Chevron 7">
+            <a:extLst>
+              <a:ext uri="{FF2B5EF4-FFF2-40B4-BE49-F238E27FC236}">
+                <a16:creationId xmlns:a16="http://schemas.microsoft.com/office/drawing/2014/main" id="{E9275C70-FD8A-4E28-B567-581BC031B2C1}"/>
+              </a:ext>
+            </a:extLst>
+          </p:cNvPr>
+          <p:cNvSpPr/>
+          <p:nvPr/>
+        </p:nvSpPr>
+        <p:spPr>
+          <a:xfrm>
+            <a:off x="9844577" y="614226"/>
+            <a:ext cx="2041236" cy="914400"/>
+          </a:xfrm>
+          <a:prstGeom prst="chevron">
+            <a:avLst/>
+          </a:prstGeom>
+          <a:solidFill>
+            <a:schemeClr val="accent2">
+              <a:lumMod val="75000"/>
+            </a:schemeClr>
+          </a:solidFill>
+          <a:ln>
+            <a:noFill/>
+          </a:ln>
+        </p:spPr>
+        <p:style>
+          <a:lnRef idx="2">
+            <a:schemeClr val="accent1">
+              <a:shade val="50000"/>
+            </a:schemeClr>
+          </a:lnRef>
+          <a:fillRef idx="1">
+            <a:schemeClr val="accent1"/>
+          </a:fillRef>
+          <a:effectRef idx="0">
+            <a:schemeClr val="accent1"/>
+          </a:effectRef>
+          <a:fontRef idx="minor">
+            <a:schemeClr val="lt1"/>
+          </a:fontRef>
+        </p:style>
+        <p:txBody>
+          <a:bodyPr rtlCol="0" anchor="ctr"/>
+          <a:lstStyle/>
+          <a:p>
+            <a:pPr algn="ctr"/>
+            <a:r>
+              <a:rPr lang="de-CH" dirty="0">
+                <a:solidFill>
+                  <a:schemeClr val="bg1"/>
+                </a:solidFill>
+              </a:rPr>
+              <a:t>June</a:t>
+            </a:r>
+            <a:endParaRPr lang="en-US" dirty="0">
+              <a:solidFill>
+                <a:schemeClr val="bg1"/>
+              </a:solidFill>
+            </a:endParaRPr>
+          </a:p>
+        </p:txBody>
+      </p:sp>
+      <p:sp>
+        <p:nvSpPr>
+          <p:cNvPr id="9" name="Arrow: Chevron 8">
+            <a:extLst>
+              <a:ext uri="{FF2B5EF4-FFF2-40B4-BE49-F238E27FC236}">
+                <a16:creationId xmlns:a16="http://schemas.microsoft.com/office/drawing/2014/main" id="{1FE49571-9A2E-4260-901F-2A8386951FA9}"/>
+              </a:ext>
+            </a:extLst>
+          </p:cNvPr>
+          <p:cNvSpPr/>
+          <p:nvPr/>
+        </p:nvSpPr>
+        <p:spPr>
+          <a:xfrm>
+            <a:off x="1520305" y="2227059"/>
+            <a:ext cx="2120900" cy="1108364"/>
+          </a:xfrm>
+          <a:prstGeom prst="chevron">
+            <a:avLst/>
+          </a:prstGeom>
+          <a:ln>
+            <a:noFill/>
+          </a:ln>
+        </p:spPr>
+        <p:style>
+          <a:lnRef idx="2">
+            <a:schemeClr val="accent1">
+              <a:shade val="50000"/>
+            </a:schemeClr>
+          </a:lnRef>
+          <a:fillRef idx="1">
+            <a:schemeClr val="accent1"/>
+          </a:fillRef>
+          <a:effectRef idx="0">
+            <a:schemeClr val="accent1"/>
+          </a:effectRef>
+          <a:fontRef idx="minor">
+            <a:schemeClr val="lt1"/>
+          </a:fontRef>
+        </p:style>
+        <p:txBody>
+          <a:bodyPr rtlCol="0" anchor="ctr"/>
+          <a:lstStyle/>
+          <a:p>
+            <a:pPr algn="ctr"/>
+            <a:r>
+              <a:rPr lang="de-CH" sz="1100" dirty="0" err="1">
+                <a:solidFill>
+                  <a:schemeClr val="tx1"/>
+                </a:solidFill>
+              </a:rPr>
+              <a:t>Lecture</a:t>
+            </a:r>
+            <a:r>
+              <a:rPr lang="de-CH" sz="1100" dirty="0">
+                <a:solidFill>
+                  <a:schemeClr val="tx1"/>
+                </a:solidFill>
+              </a:rPr>
+              <a:t> 1:</a:t>
+            </a:r>
+          </a:p>
+          <a:p>
+            <a:pPr algn="ctr"/>
+            <a:r>
+              <a:rPr lang="de-CH" sz="1100" dirty="0" err="1">
+                <a:solidFill>
+                  <a:schemeClr val="tx1"/>
+                </a:solidFill>
+              </a:rPr>
+              <a:t>Camunda</a:t>
+            </a:r>
+            <a:r>
+              <a:rPr lang="de-CH" sz="1100" dirty="0">
+                <a:solidFill>
+                  <a:schemeClr val="tx1"/>
+                </a:solidFill>
+              </a:rPr>
+              <a:t> &amp; GitHub</a:t>
+            </a:r>
+            <a:endParaRPr lang="en-US" sz="1100" dirty="0">
+              <a:solidFill>
+                <a:schemeClr val="tx1"/>
+              </a:solidFill>
+            </a:endParaRPr>
+          </a:p>
+        </p:txBody>
+      </p:sp>
+      <p:sp>
+        <p:nvSpPr>
+          <p:cNvPr id="10" name="Arrow: Chevron 9">
+            <a:extLst>
+              <a:ext uri="{FF2B5EF4-FFF2-40B4-BE49-F238E27FC236}">
+                <a16:creationId xmlns:a16="http://schemas.microsoft.com/office/drawing/2014/main" id="{1E72A433-98AF-4A12-B5A7-533DF7081DFE}"/>
+              </a:ext>
+            </a:extLst>
+          </p:cNvPr>
+          <p:cNvSpPr/>
+          <p:nvPr/>
+        </p:nvSpPr>
+        <p:spPr>
+          <a:xfrm>
+            <a:off x="1480473" y="3621895"/>
+            <a:ext cx="2120900" cy="1108364"/>
+          </a:xfrm>
+          <a:prstGeom prst="chevron">
+            <a:avLst/>
+          </a:prstGeom>
+          <a:solidFill>
+            <a:srgbClr val="92D050"/>
+          </a:solidFill>
+          <a:ln>
+            <a:noFill/>
+          </a:ln>
+        </p:spPr>
+        <p:style>
+          <a:lnRef idx="2">
+            <a:schemeClr val="accent1">
+              <a:shade val="50000"/>
+            </a:schemeClr>
+          </a:lnRef>
+          <a:fillRef idx="1">
+            <a:schemeClr val="accent1"/>
+          </a:fillRef>
+          <a:effectRef idx="0">
+            <a:schemeClr val="accent1"/>
+          </a:effectRef>
+          <a:fontRef idx="minor">
+            <a:schemeClr val="lt1"/>
+          </a:fontRef>
+        </p:style>
+        <p:txBody>
+          <a:bodyPr rtlCol="0" anchor="ctr"/>
+          <a:lstStyle/>
+          <a:p>
+            <a:pPr algn="ctr"/>
+            <a:r>
+              <a:rPr lang="de-CH" sz="1100" dirty="0" err="1">
+                <a:solidFill>
+                  <a:schemeClr val="tx1"/>
+                </a:solidFill>
+              </a:rPr>
+              <a:t>Process</a:t>
+            </a:r>
+            <a:r>
+              <a:rPr lang="de-CH" sz="1100" dirty="0">
+                <a:solidFill>
+                  <a:schemeClr val="tx1"/>
+                </a:solidFill>
+              </a:rPr>
+              <a:t> Modelling</a:t>
+            </a:r>
+            <a:endParaRPr lang="en-US" sz="1100" dirty="0">
+              <a:solidFill>
+                <a:schemeClr val="tx1"/>
+              </a:solidFill>
+            </a:endParaRPr>
+          </a:p>
+        </p:txBody>
+      </p:sp>
+      <p:sp>
+        <p:nvSpPr>
+          <p:cNvPr id="11" name="Arrow: Chevron 10">
+            <a:extLst>
+              <a:ext uri="{FF2B5EF4-FFF2-40B4-BE49-F238E27FC236}">
+                <a16:creationId xmlns:a16="http://schemas.microsoft.com/office/drawing/2014/main" id="{D70998B8-26AE-45A6-A17F-C81DCD44FA03}"/>
+              </a:ext>
+            </a:extLst>
+          </p:cNvPr>
+          <p:cNvSpPr/>
+          <p:nvPr/>
+        </p:nvSpPr>
+        <p:spPr>
+          <a:xfrm>
+            <a:off x="1520305" y="4917006"/>
+            <a:ext cx="2120900" cy="1108364"/>
+          </a:xfrm>
+          <a:prstGeom prst="chevron">
+            <a:avLst/>
+          </a:prstGeom>
+          <a:solidFill>
+            <a:srgbClr val="9148C8"/>
+          </a:solidFill>
+          <a:ln>
+            <a:noFill/>
+          </a:ln>
+        </p:spPr>
+        <p:style>
+          <a:lnRef idx="2">
+            <a:schemeClr val="accent1">
+              <a:shade val="50000"/>
+            </a:schemeClr>
+          </a:lnRef>
+          <a:fillRef idx="1">
+            <a:schemeClr val="accent1"/>
+          </a:fillRef>
+          <a:effectRef idx="0">
+            <a:schemeClr val="accent1"/>
+          </a:effectRef>
+          <a:fontRef idx="minor">
+            <a:schemeClr val="lt1"/>
+          </a:fontRef>
+        </p:style>
+        <p:txBody>
+          <a:bodyPr rtlCol="0" anchor="ctr"/>
+          <a:lstStyle/>
+          <a:p>
+            <a:pPr algn="ctr"/>
+            <a:r>
+              <a:rPr lang="de-CH" sz="1400" dirty="0" err="1">
+                <a:solidFill>
+                  <a:schemeClr val="tx1"/>
+                </a:solidFill>
+              </a:rPr>
+              <a:t>Process</a:t>
+            </a:r>
+            <a:r>
+              <a:rPr lang="de-CH" sz="1400" dirty="0">
+                <a:solidFill>
+                  <a:schemeClr val="tx1"/>
+                </a:solidFill>
+              </a:rPr>
+              <a:t> Description</a:t>
+            </a:r>
+            <a:endParaRPr lang="en-US" sz="1400" dirty="0">
+              <a:solidFill>
+                <a:schemeClr val="tx1"/>
+              </a:solidFill>
+            </a:endParaRPr>
+          </a:p>
+        </p:txBody>
+      </p:sp>
+      <p:sp>
+        <p:nvSpPr>
+          <p:cNvPr id="13" name="Arrow: Chevron 12">
+            <a:extLst>
+              <a:ext uri="{FF2B5EF4-FFF2-40B4-BE49-F238E27FC236}">
+                <a16:creationId xmlns:a16="http://schemas.microsoft.com/office/drawing/2014/main" id="{27CF4BE1-3891-4911-BB56-D79E2F90A221}"/>
+              </a:ext>
+            </a:extLst>
+          </p:cNvPr>
+          <p:cNvSpPr/>
+          <p:nvPr/>
+        </p:nvSpPr>
+        <p:spPr>
+          <a:xfrm>
+            <a:off x="3561541" y="2227059"/>
+            <a:ext cx="2120900" cy="1108364"/>
+          </a:xfrm>
+          <a:prstGeom prst="chevron">
+            <a:avLst/>
+          </a:prstGeom>
+          <a:ln>
+            <a:noFill/>
+          </a:ln>
+        </p:spPr>
+        <p:style>
+          <a:lnRef idx="2">
+            <a:schemeClr val="accent1">
+              <a:shade val="50000"/>
+            </a:schemeClr>
+          </a:lnRef>
+          <a:fillRef idx="1">
+            <a:schemeClr val="accent1"/>
+          </a:fillRef>
+          <a:effectRef idx="0">
+            <a:schemeClr val="accent1"/>
+          </a:effectRef>
+          <a:fontRef idx="minor">
+            <a:schemeClr val="lt1"/>
+          </a:fontRef>
+        </p:style>
+        <p:txBody>
+          <a:bodyPr rtlCol="0" anchor="ctr"/>
+          <a:lstStyle/>
+          <a:p>
+            <a:pPr algn="ctr"/>
+            <a:r>
+              <a:rPr lang="de-CH" sz="1100" dirty="0" err="1">
+                <a:solidFill>
+                  <a:schemeClr val="tx1"/>
+                </a:solidFill>
+              </a:rPr>
+              <a:t>Lecture</a:t>
+            </a:r>
+            <a:r>
+              <a:rPr lang="de-CH" sz="1100" dirty="0">
+                <a:solidFill>
+                  <a:schemeClr val="tx1"/>
+                </a:solidFill>
+              </a:rPr>
+              <a:t> 2 &amp; 3:</a:t>
+            </a:r>
+          </a:p>
+          <a:p>
+            <a:pPr algn="ctr"/>
+            <a:r>
+              <a:rPr lang="de-CH" sz="1100" dirty="0">
+                <a:solidFill>
+                  <a:schemeClr val="tx1"/>
+                </a:solidFill>
+              </a:rPr>
+              <a:t>DMN  &amp; Workflow Integration &amp; </a:t>
+            </a:r>
+            <a:r>
+              <a:rPr lang="de-CH" sz="1100" dirty="0" err="1">
+                <a:solidFill>
+                  <a:schemeClr val="tx1"/>
+                </a:solidFill>
+              </a:rPr>
+              <a:t>Deployment</a:t>
+            </a:r>
+            <a:endParaRPr lang="en-US" sz="1100" dirty="0">
+              <a:solidFill>
+                <a:schemeClr val="tx1"/>
+              </a:solidFill>
+            </a:endParaRPr>
+          </a:p>
+        </p:txBody>
+      </p:sp>
+      <p:sp>
+        <p:nvSpPr>
+          <p:cNvPr id="14" name="Arrow: Chevron 13">
+            <a:extLst>
+              <a:ext uri="{FF2B5EF4-FFF2-40B4-BE49-F238E27FC236}">
+                <a16:creationId xmlns:a16="http://schemas.microsoft.com/office/drawing/2014/main" id="{95B2F78B-42F5-462D-B855-945BC2505DE3}"/>
+              </a:ext>
+            </a:extLst>
+          </p:cNvPr>
+          <p:cNvSpPr/>
+          <p:nvPr/>
+        </p:nvSpPr>
+        <p:spPr>
+          <a:xfrm>
+            <a:off x="5602777" y="2227059"/>
+            <a:ext cx="2120900" cy="1108364"/>
+          </a:xfrm>
+          <a:prstGeom prst="chevron">
+            <a:avLst/>
+          </a:prstGeom>
+          <a:ln>
+            <a:noFill/>
+          </a:ln>
+        </p:spPr>
+        <p:style>
+          <a:lnRef idx="2">
+            <a:schemeClr val="accent1">
+              <a:shade val="50000"/>
+            </a:schemeClr>
+          </a:lnRef>
+          <a:fillRef idx="1">
+            <a:schemeClr val="accent1"/>
+          </a:fillRef>
+          <a:effectRef idx="0">
+            <a:schemeClr val="accent1"/>
+          </a:effectRef>
+          <a:fontRef idx="minor">
+            <a:schemeClr val="lt1"/>
+          </a:fontRef>
+        </p:style>
+        <p:txBody>
+          <a:bodyPr rtlCol="0" anchor="ctr"/>
+          <a:lstStyle/>
+          <a:p>
+            <a:pPr algn="ctr"/>
+            <a:r>
+              <a:rPr lang="de-CH" sz="1100" dirty="0" err="1">
+                <a:solidFill>
+                  <a:schemeClr val="tx1"/>
+                </a:solidFill>
+              </a:rPr>
+              <a:t>Lecture</a:t>
+            </a:r>
+            <a:r>
+              <a:rPr lang="de-CH" sz="1100" dirty="0">
+                <a:solidFill>
+                  <a:schemeClr val="tx1"/>
+                </a:solidFill>
+              </a:rPr>
+              <a:t> 4:</a:t>
+            </a:r>
+          </a:p>
+          <a:p>
+            <a:pPr algn="ctr"/>
+            <a:r>
+              <a:rPr lang="de-CH" sz="1100" dirty="0">
+                <a:solidFill>
+                  <a:schemeClr val="tx1"/>
+                </a:solidFill>
+              </a:rPr>
+              <a:t>Service Integration</a:t>
+            </a:r>
+            <a:endParaRPr lang="en-US" sz="1100" dirty="0">
+              <a:solidFill>
+                <a:schemeClr val="tx1"/>
+              </a:solidFill>
+            </a:endParaRPr>
+          </a:p>
+        </p:txBody>
+      </p:sp>
+      <p:sp>
+        <p:nvSpPr>
+          <p:cNvPr id="15" name="Arrow: Chevron 14">
+            <a:extLst>
+              <a:ext uri="{FF2B5EF4-FFF2-40B4-BE49-F238E27FC236}">
+                <a16:creationId xmlns:a16="http://schemas.microsoft.com/office/drawing/2014/main" id="{545C838F-5E0B-4899-81E2-25AFBDF0B5F2}"/>
+              </a:ext>
+            </a:extLst>
+          </p:cNvPr>
+          <p:cNvSpPr/>
+          <p:nvPr/>
+        </p:nvSpPr>
+        <p:spPr>
+          <a:xfrm>
+            <a:off x="7723677" y="2227059"/>
+            <a:ext cx="2120900" cy="1108364"/>
+          </a:xfrm>
+          <a:prstGeom prst="chevron">
+            <a:avLst/>
+          </a:prstGeom>
+          <a:ln>
+            <a:noFill/>
+          </a:ln>
+        </p:spPr>
+        <p:style>
+          <a:lnRef idx="2">
+            <a:schemeClr val="accent1">
+              <a:shade val="50000"/>
+            </a:schemeClr>
+          </a:lnRef>
+          <a:fillRef idx="1">
+            <a:schemeClr val="accent1"/>
+          </a:fillRef>
+          <a:effectRef idx="0">
+            <a:schemeClr val="accent1"/>
+          </a:effectRef>
+          <a:fontRef idx="minor">
+            <a:schemeClr val="lt1"/>
+          </a:fontRef>
+        </p:style>
+        <p:txBody>
+          <a:bodyPr rtlCol="0" anchor="ctr"/>
+          <a:lstStyle/>
+          <a:p>
+            <a:pPr algn="ctr"/>
+            <a:r>
+              <a:rPr lang="de-CH" sz="1100" dirty="0" err="1">
+                <a:solidFill>
+                  <a:schemeClr val="tx1"/>
+                </a:solidFill>
+              </a:rPr>
+              <a:t>Lecture</a:t>
+            </a:r>
+            <a:r>
+              <a:rPr lang="de-CH" sz="1100" dirty="0">
+                <a:solidFill>
+                  <a:schemeClr val="tx1"/>
+                </a:solidFill>
+              </a:rPr>
+              <a:t> 5:</a:t>
+            </a:r>
+          </a:p>
+          <a:p>
+            <a:pPr algn="ctr"/>
+            <a:r>
+              <a:rPr lang="de-CH" sz="1100" dirty="0">
+                <a:solidFill>
+                  <a:schemeClr val="tx1"/>
+                </a:solidFill>
+              </a:rPr>
+              <a:t>AI &amp; Bots</a:t>
+            </a:r>
+            <a:endParaRPr lang="en-US" sz="1100" dirty="0">
+              <a:solidFill>
+                <a:schemeClr val="tx1"/>
+              </a:solidFill>
+            </a:endParaRPr>
+          </a:p>
+        </p:txBody>
+      </p:sp>
+      <p:sp>
+        <p:nvSpPr>
+          <p:cNvPr id="16" name="Arrow: Chevron 15">
+            <a:extLst>
+              <a:ext uri="{FF2B5EF4-FFF2-40B4-BE49-F238E27FC236}">
+                <a16:creationId xmlns:a16="http://schemas.microsoft.com/office/drawing/2014/main" id="{4EC7C12D-6692-404F-B569-2CF0EE1F7E9A}"/>
+              </a:ext>
+            </a:extLst>
+          </p:cNvPr>
+          <p:cNvSpPr/>
+          <p:nvPr/>
+        </p:nvSpPr>
+        <p:spPr>
+          <a:xfrm>
+            <a:off x="9844577" y="2227058"/>
+            <a:ext cx="2120900" cy="3798311"/>
+          </a:xfrm>
+          <a:prstGeom prst="chevron">
+            <a:avLst>
+              <a:gd name="adj" fmla="val 24132"/>
+            </a:avLst>
+          </a:prstGeom>
+          <a:ln>
+            <a:noFill/>
+          </a:ln>
+        </p:spPr>
+        <p:style>
+          <a:lnRef idx="2">
+            <a:schemeClr val="accent1">
+              <a:shade val="50000"/>
+            </a:schemeClr>
+          </a:lnRef>
+          <a:fillRef idx="1">
+            <a:schemeClr val="accent1"/>
+          </a:fillRef>
+          <a:effectRef idx="0">
+            <a:schemeClr val="accent1"/>
+          </a:effectRef>
+          <a:fontRef idx="minor">
+            <a:schemeClr val="lt1"/>
+          </a:fontRef>
+        </p:style>
+        <p:txBody>
+          <a:bodyPr vert="vert" rtlCol="0" anchor="ctr"/>
+          <a:lstStyle/>
+          <a:p>
+            <a:pPr algn="ctr"/>
+            <a:r>
+              <a:rPr lang="de-CH" dirty="0">
+                <a:solidFill>
+                  <a:schemeClr val="tx1"/>
+                </a:solidFill>
+              </a:rPr>
+              <a:t>Final </a:t>
+            </a:r>
+            <a:r>
+              <a:rPr lang="de-CH" dirty="0" err="1">
+                <a:solidFill>
+                  <a:schemeClr val="tx1"/>
+                </a:solidFill>
+              </a:rPr>
+              <a:t>Presentation</a:t>
+            </a:r>
+            <a:r>
+              <a:rPr lang="de-CH" dirty="0">
+                <a:solidFill>
+                  <a:schemeClr val="tx1"/>
+                </a:solidFill>
+              </a:rPr>
+              <a:t> &amp; Submission</a:t>
+            </a:r>
+          </a:p>
+        </p:txBody>
+      </p:sp>
+      <p:sp>
+        <p:nvSpPr>
+          <p:cNvPr id="17" name="Arrow: Chevron 16">
+            <a:extLst>
+              <a:ext uri="{FF2B5EF4-FFF2-40B4-BE49-F238E27FC236}">
+                <a16:creationId xmlns:a16="http://schemas.microsoft.com/office/drawing/2014/main" id="{A1A63968-A9A4-41CC-8B1E-E9249404CD64}"/>
+              </a:ext>
+            </a:extLst>
+          </p:cNvPr>
+          <p:cNvSpPr/>
+          <p:nvPr/>
+        </p:nvSpPr>
+        <p:spPr>
+          <a:xfrm>
+            <a:off x="3561541" y="3618618"/>
+            <a:ext cx="2120900" cy="1108364"/>
+          </a:xfrm>
+          <a:prstGeom prst="chevron">
+            <a:avLst/>
+          </a:prstGeom>
+          <a:solidFill>
+            <a:srgbClr val="92D050"/>
+          </a:solidFill>
+          <a:ln>
+            <a:noFill/>
+          </a:ln>
+        </p:spPr>
+        <p:style>
+          <a:lnRef idx="2">
+            <a:schemeClr val="accent1">
+              <a:shade val="50000"/>
+            </a:schemeClr>
+          </a:lnRef>
+          <a:fillRef idx="1">
+            <a:schemeClr val="accent1"/>
+          </a:fillRef>
+          <a:effectRef idx="0">
+            <a:schemeClr val="accent1"/>
+          </a:effectRef>
+          <a:fontRef idx="minor">
+            <a:schemeClr val="lt1"/>
+          </a:fontRef>
+        </p:style>
+        <p:txBody>
+          <a:bodyPr rtlCol="0" anchor="ctr"/>
+          <a:lstStyle/>
+          <a:p>
+            <a:pPr algn="ctr"/>
+            <a:r>
+              <a:rPr lang="de-CH" sz="1100" dirty="0">
+                <a:solidFill>
+                  <a:schemeClr val="tx1"/>
+                </a:solidFill>
+              </a:rPr>
+              <a:t>DMN Modelling, </a:t>
+            </a:r>
+            <a:r>
+              <a:rPr lang="de-CH" sz="1100" dirty="0" err="1">
+                <a:solidFill>
+                  <a:schemeClr val="tx1"/>
+                </a:solidFill>
+              </a:rPr>
+              <a:t>Deploymennt</a:t>
+            </a:r>
+            <a:endParaRPr lang="en-US" sz="1100" dirty="0">
+              <a:solidFill>
+                <a:schemeClr val="tx1"/>
+              </a:solidFill>
+            </a:endParaRPr>
+          </a:p>
+        </p:txBody>
+      </p:sp>
+      <p:sp>
+        <p:nvSpPr>
+          <p:cNvPr id="18" name="Arrow: Chevron 17">
+            <a:extLst>
+              <a:ext uri="{FF2B5EF4-FFF2-40B4-BE49-F238E27FC236}">
+                <a16:creationId xmlns:a16="http://schemas.microsoft.com/office/drawing/2014/main" id="{AE33B0B4-4ADD-4D2A-81D2-3354C3AA7038}"/>
+              </a:ext>
+            </a:extLst>
+          </p:cNvPr>
+          <p:cNvSpPr/>
+          <p:nvPr/>
+        </p:nvSpPr>
+        <p:spPr>
+          <a:xfrm>
+            <a:off x="5602777" y="3621895"/>
+            <a:ext cx="2120900" cy="1108364"/>
+          </a:xfrm>
+          <a:prstGeom prst="chevron">
+            <a:avLst/>
+          </a:prstGeom>
+          <a:solidFill>
+            <a:srgbClr val="92D050"/>
+          </a:solidFill>
+          <a:ln>
+            <a:noFill/>
+          </a:ln>
+        </p:spPr>
+        <p:style>
+          <a:lnRef idx="2">
+            <a:schemeClr val="accent1">
+              <a:shade val="50000"/>
+            </a:schemeClr>
+          </a:lnRef>
+          <a:fillRef idx="1">
+            <a:schemeClr val="accent1"/>
+          </a:fillRef>
+          <a:effectRef idx="0">
+            <a:schemeClr val="accent1"/>
+          </a:effectRef>
+          <a:fontRef idx="minor">
+            <a:schemeClr val="lt1"/>
+          </a:fontRef>
+        </p:style>
+        <p:txBody>
+          <a:bodyPr rtlCol="0" anchor="ctr"/>
+          <a:lstStyle/>
+          <a:p>
+            <a:pPr algn="ctr"/>
+            <a:r>
+              <a:rPr lang="de-CH" sz="1100" dirty="0">
+                <a:solidFill>
+                  <a:schemeClr val="tx1"/>
+                </a:solidFill>
+              </a:rPr>
+              <a:t>Service Integration </a:t>
+            </a:r>
+            <a:r>
+              <a:rPr lang="de-CH" sz="1100" dirty="0" err="1">
+                <a:solidFill>
+                  <a:schemeClr val="tx1"/>
+                </a:solidFill>
+              </a:rPr>
+              <a:t>with</a:t>
+            </a:r>
+            <a:r>
+              <a:rPr lang="de-CH" sz="1100" dirty="0">
+                <a:solidFill>
+                  <a:schemeClr val="tx1"/>
+                </a:solidFill>
+              </a:rPr>
+              <a:t> MS Flow:</a:t>
+            </a:r>
+          </a:p>
+          <a:p>
+            <a:pPr algn="ctr"/>
+            <a:r>
+              <a:rPr lang="de-CH" sz="1100" dirty="0">
+                <a:solidFill>
+                  <a:schemeClr val="tx1"/>
+                </a:solidFill>
+              </a:rPr>
+              <a:t>Excel</a:t>
+            </a:r>
+            <a:endParaRPr lang="en-US" sz="1100" dirty="0">
+              <a:solidFill>
+                <a:schemeClr val="tx1"/>
+              </a:solidFill>
+            </a:endParaRPr>
+          </a:p>
+        </p:txBody>
+      </p:sp>
+      <p:sp>
+        <p:nvSpPr>
+          <p:cNvPr id="19" name="Arrow: Chevron 18">
+            <a:extLst>
+              <a:ext uri="{FF2B5EF4-FFF2-40B4-BE49-F238E27FC236}">
+                <a16:creationId xmlns:a16="http://schemas.microsoft.com/office/drawing/2014/main" id="{AB954C64-F5EC-4281-AB6D-FDB06B43D92E}"/>
+              </a:ext>
+            </a:extLst>
+          </p:cNvPr>
+          <p:cNvSpPr/>
+          <p:nvPr/>
+        </p:nvSpPr>
+        <p:spPr>
+          <a:xfrm>
+            <a:off x="7763509" y="3618618"/>
+            <a:ext cx="2120900" cy="1108364"/>
+          </a:xfrm>
+          <a:prstGeom prst="chevron">
+            <a:avLst/>
+          </a:prstGeom>
+          <a:solidFill>
+            <a:srgbClr val="92D050"/>
+          </a:solidFill>
+          <a:ln>
+            <a:noFill/>
+          </a:ln>
+        </p:spPr>
+        <p:style>
+          <a:lnRef idx="2">
+            <a:schemeClr val="accent1">
+              <a:shade val="50000"/>
+            </a:schemeClr>
+          </a:lnRef>
+          <a:fillRef idx="1">
+            <a:schemeClr val="accent1"/>
+          </a:fillRef>
+          <a:effectRef idx="0">
+            <a:schemeClr val="accent1"/>
+          </a:effectRef>
+          <a:fontRef idx="minor">
+            <a:schemeClr val="lt1"/>
+          </a:fontRef>
+        </p:style>
+        <p:txBody>
+          <a:bodyPr rtlCol="0" anchor="ctr"/>
+          <a:lstStyle/>
+          <a:p>
+            <a:pPr algn="ctr"/>
+            <a:r>
+              <a:rPr lang="de-CH" sz="1100" dirty="0" err="1">
+                <a:solidFill>
+                  <a:schemeClr val="tx1"/>
+                </a:solidFill>
+              </a:rPr>
+              <a:t>ChatBot</a:t>
+            </a:r>
+            <a:r>
+              <a:rPr lang="de-CH" sz="1100" dirty="0">
+                <a:solidFill>
+                  <a:schemeClr val="tx1"/>
+                </a:solidFill>
+              </a:rPr>
+              <a:t> </a:t>
+            </a:r>
+            <a:r>
+              <a:rPr lang="de-CH" sz="1100" dirty="0" err="1">
+                <a:solidFill>
+                  <a:schemeClr val="tx1"/>
+                </a:solidFill>
+              </a:rPr>
+              <a:t>with</a:t>
+            </a:r>
+            <a:r>
+              <a:rPr lang="de-CH" sz="1100" dirty="0">
+                <a:solidFill>
+                  <a:schemeClr val="tx1"/>
+                </a:solidFill>
+              </a:rPr>
+              <a:t> </a:t>
+            </a:r>
+            <a:r>
+              <a:rPr lang="de-CH" sz="1100" dirty="0" err="1">
+                <a:solidFill>
+                  <a:schemeClr val="tx1"/>
+                </a:solidFill>
+              </a:rPr>
+              <a:t>DialogFlow</a:t>
+            </a:r>
+            <a:r>
+              <a:rPr lang="de-CH" sz="1100" dirty="0">
+                <a:solidFill>
+                  <a:schemeClr val="tx1"/>
+                </a:solidFill>
+              </a:rPr>
+              <a:t>, Integration Excel</a:t>
+            </a:r>
+            <a:endParaRPr lang="en-US" sz="1100" dirty="0">
+              <a:solidFill>
+                <a:schemeClr val="tx1"/>
+              </a:solidFill>
+            </a:endParaRPr>
+          </a:p>
+        </p:txBody>
+      </p:sp>
+      <p:sp>
+        <p:nvSpPr>
+          <p:cNvPr id="20" name="Arrow: Chevron 19">
+            <a:extLst>
+              <a:ext uri="{FF2B5EF4-FFF2-40B4-BE49-F238E27FC236}">
+                <a16:creationId xmlns:a16="http://schemas.microsoft.com/office/drawing/2014/main" id="{5C23C5B4-E78A-462B-B705-309E307B278B}"/>
+              </a:ext>
+            </a:extLst>
+          </p:cNvPr>
+          <p:cNvSpPr/>
+          <p:nvPr/>
+        </p:nvSpPr>
+        <p:spPr>
+          <a:xfrm>
+            <a:off x="3641205" y="4908213"/>
+            <a:ext cx="4162136" cy="1108364"/>
+          </a:xfrm>
+          <a:prstGeom prst="chevron">
+            <a:avLst/>
+          </a:prstGeom>
+          <a:solidFill>
+            <a:srgbClr val="9148C8"/>
+          </a:solidFill>
+          <a:ln>
+            <a:noFill/>
+          </a:ln>
+        </p:spPr>
+        <p:style>
+          <a:lnRef idx="2">
+            <a:schemeClr val="accent1">
+              <a:shade val="50000"/>
+            </a:schemeClr>
+          </a:lnRef>
+          <a:fillRef idx="1">
+            <a:schemeClr val="accent1"/>
+          </a:fillRef>
+          <a:effectRef idx="0">
+            <a:schemeClr val="accent1"/>
+          </a:effectRef>
+          <a:fontRef idx="minor">
+            <a:schemeClr val="lt1"/>
+          </a:fontRef>
+        </p:style>
+        <p:txBody>
+          <a:bodyPr rtlCol="0" anchor="ctr"/>
+          <a:lstStyle/>
+          <a:p>
+            <a:pPr algn="ctr"/>
+            <a:r>
+              <a:rPr lang="de-CH" sz="1400" dirty="0">
+                <a:solidFill>
+                  <a:schemeClr val="tx1"/>
+                </a:solidFill>
+              </a:rPr>
+              <a:t>Project Dokumentation</a:t>
+            </a:r>
+            <a:endParaRPr lang="en-US" sz="1400" dirty="0">
+              <a:solidFill>
+                <a:schemeClr val="tx1"/>
+              </a:solidFill>
+            </a:endParaRPr>
+          </a:p>
+        </p:txBody>
+      </p:sp>
+      <p:sp>
+        <p:nvSpPr>
+          <p:cNvPr id="21" name="Arrow: Chevron 20">
+            <a:extLst>
+              <a:ext uri="{FF2B5EF4-FFF2-40B4-BE49-F238E27FC236}">
+                <a16:creationId xmlns:a16="http://schemas.microsoft.com/office/drawing/2014/main" id="{AB25BCDF-8D45-4C23-B4F4-2D167FE4046E}"/>
+              </a:ext>
+            </a:extLst>
+          </p:cNvPr>
+          <p:cNvSpPr/>
+          <p:nvPr/>
+        </p:nvSpPr>
+        <p:spPr>
+          <a:xfrm>
+            <a:off x="7723677" y="4908213"/>
+            <a:ext cx="2120900" cy="1108364"/>
+          </a:xfrm>
+          <a:prstGeom prst="chevron">
+            <a:avLst/>
+          </a:prstGeom>
+          <a:solidFill>
+            <a:srgbClr val="9148C8"/>
+          </a:solidFill>
+          <a:ln>
+            <a:noFill/>
+          </a:ln>
+        </p:spPr>
+        <p:style>
+          <a:lnRef idx="2">
+            <a:schemeClr val="accent1">
+              <a:shade val="50000"/>
+            </a:schemeClr>
+          </a:lnRef>
+          <a:fillRef idx="1">
+            <a:schemeClr val="accent1"/>
+          </a:fillRef>
+          <a:effectRef idx="0">
+            <a:schemeClr val="accent1"/>
+          </a:effectRef>
+          <a:fontRef idx="minor">
+            <a:schemeClr val="lt1"/>
+          </a:fontRef>
+        </p:style>
+        <p:txBody>
+          <a:bodyPr rtlCol="0" anchor="ctr"/>
+          <a:lstStyle/>
+          <a:p>
+            <a:pPr algn="ctr"/>
+            <a:r>
+              <a:rPr lang="de-CH" sz="1400" dirty="0">
+                <a:solidFill>
+                  <a:schemeClr val="tx1"/>
+                </a:solidFill>
+              </a:rPr>
+              <a:t>GitHub Wiki</a:t>
+            </a:r>
+            <a:endParaRPr lang="en-US" sz="1400" dirty="0">
+              <a:solidFill>
+                <a:schemeClr val="tx1"/>
+              </a:solidFill>
+            </a:endParaRPr>
+          </a:p>
+        </p:txBody>
+      </p:sp>
+      <p:sp>
+        <p:nvSpPr>
+          <p:cNvPr id="24" name="Rectangle 23">
+            <a:extLst>
+              <a:ext uri="{FF2B5EF4-FFF2-40B4-BE49-F238E27FC236}">
+                <a16:creationId xmlns:a16="http://schemas.microsoft.com/office/drawing/2014/main" id="{3FA6707D-B941-4075-8DD1-7ECA4374A7C5}"/>
+              </a:ext>
+            </a:extLst>
+          </p:cNvPr>
+          <p:cNvSpPr/>
+          <p:nvPr/>
+        </p:nvSpPr>
+        <p:spPr>
+          <a:xfrm>
+            <a:off x="149629" y="2243683"/>
+            <a:ext cx="1220585" cy="1108366"/>
+          </a:xfrm>
+          <a:prstGeom prst="rect">
+            <a:avLst/>
+          </a:prstGeom>
+          <a:solidFill>
+            <a:schemeClr val="accent4">
+              <a:lumMod val="20000"/>
+              <a:lumOff val="80000"/>
+            </a:schemeClr>
+          </a:solidFill>
+          <a:ln>
+            <a:noFill/>
+          </a:ln>
+        </p:spPr>
+        <p:style>
+          <a:lnRef idx="2">
+            <a:schemeClr val="accent1">
+              <a:shade val="50000"/>
+            </a:schemeClr>
+          </a:lnRef>
+          <a:fillRef idx="1">
+            <a:schemeClr val="accent1"/>
+          </a:fillRef>
+          <a:effectRef idx="0">
+            <a:schemeClr val="accent1"/>
+          </a:effectRef>
+          <a:fontRef idx="minor">
+            <a:schemeClr val="lt1"/>
+          </a:fontRef>
+        </p:style>
+        <p:txBody>
+          <a:bodyPr rtlCol="0" anchor="ctr"/>
+          <a:lstStyle/>
+          <a:p>
+            <a:pPr algn="ctr"/>
+            <a:r>
+              <a:rPr lang="de-CH" sz="1200" dirty="0" err="1">
+                <a:solidFill>
+                  <a:schemeClr val="tx1"/>
+                </a:solidFill>
+              </a:rPr>
+              <a:t>Lecture</a:t>
+            </a:r>
+            <a:endParaRPr lang="en-US" sz="1200" dirty="0">
+              <a:solidFill>
+                <a:schemeClr val="tx1"/>
+              </a:solidFill>
+            </a:endParaRPr>
+          </a:p>
+        </p:txBody>
+      </p:sp>
+      <p:sp>
+        <p:nvSpPr>
+          <p:cNvPr id="25" name="Rectangle 24">
+            <a:extLst>
+              <a:ext uri="{FF2B5EF4-FFF2-40B4-BE49-F238E27FC236}">
+                <a16:creationId xmlns:a16="http://schemas.microsoft.com/office/drawing/2014/main" id="{F404092D-92F3-46D3-B386-86D72019DCD8}"/>
+              </a:ext>
+            </a:extLst>
+          </p:cNvPr>
+          <p:cNvSpPr/>
+          <p:nvPr/>
+        </p:nvSpPr>
+        <p:spPr>
+          <a:xfrm>
+            <a:off x="149629" y="4933630"/>
+            <a:ext cx="1220585" cy="1108366"/>
+          </a:xfrm>
+          <a:prstGeom prst="rect">
+            <a:avLst/>
+          </a:prstGeom>
+          <a:solidFill>
+            <a:schemeClr val="accent4">
+              <a:lumMod val="20000"/>
+              <a:lumOff val="80000"/>
+            </a:schemeClr>
+          </a:solidFill>
+          <a:ln>
+            <a:noFill/>
+          </a:ln>
+        </p:spPr>
+        <p:style>
+          <a:lnRef idx="2">
+            <a:schemeClr val="accent1">
+              <a:shade val="50000"/>
+            </a:schemeClr>
+          </a:lnRef>
+          <a:fillRef idx="1">
+            <a:schemeClr val="accent1"/>
+          </a:fillRef>
+          <a:effectRef idx="0">
+            <a:schemeClr val="accent1"/>
+          </a:effectRef>
+          <a:fontRef idx="minor">
+            <a:schemeClr val="lt1"/>
+          </a:fontRef>
+        </p:style>
+        <p:txBody>
+          <a:bodyPr rtlCol="0" anchor="ctr"/>
+          <a:lstStyle/>
+          <a:p>
+            <a:pPr algn="ctr"/>
+            <a:r>
+              <a:rPr lang="de-CH" sz="1200" dirty="0" err="1">
+                <a:solidFill>
+                  <a:schemeClr val="tx1"/>
+                </a:solidFill>
+              </a:rPr>
+              <a:t>Documentation</a:t>
+            </a:r>
+            <a:endParaRPr lang="en-US" sz="1200" dirty="0">
+              <a:solidFill>
+                <a:schemeClr val="tx1"/>
+              </a:solidFill>
+            </a:endParaRPr>
+          </a:p>
+        </p:txBody>
+      </p:sp>
+      <p:sp>
+        <p:nvSpPr>
+          <p:cNvPr id="26" name="Rectangle 25">
+            <a:extLst>
+              <a:ext uri="{FF2B5EF4-FFF2-40B4-BE49-F238E27FC236}">
+                <a16:creationId xmlns:a16="http://schemas.microsoft.com/office/drawing/2014/main" id="{C377C06D-F566-48EB-BEBD-8075B53D5DBE}"/>
+              </a:ext>
+            </a:extLst>
+          </p:cNvPr>
+          <p:cNvSpPr/>
+          <p:nvPr/>
+        </p:nvSpPr>
+        <p:spPr>
+          <a:xfrm>
+            <a:off x="149629" y="3588655"/>
+            <a:ext cx="1220585" cy="1108366"/>
+          </a:xfrm>
+          <a:prstGeom prst="rect">
+            <a:avLst/>
+          </a:prstGeom>
+          <a:solidFill>
+            <a:schemeClr val="accent4">
+              <a:lumMod val="20000"/>
+              <a:lumOff val="80000"/>
+            </a:schemeClr>
+          </a:solidFill>
+          <a:ln>
+            <a:noFill/>
+          </a:ln>
+        </p:spPr>
+        <p:style>
+          <a:lnRef idx="2">
+            <a:schemeClr val="accent1">
+              <a:shade val="50000"/>
+            </a:schemeClr>
+          </a:lnRef>
+          <a:fillRef idx="1">
+            <a:schemeClr val="accent1"/>
+          </a:fillRef>
+          <a:effectRef idx="0">
+            <a:schemeClr val="accent1"/>
+          </a:effectRef>
+          <a:fontRef idx="minor">
+            <a:schemeClr val="lt1"/>
+          </a:fontRef>
+        </p:style>
+        <p:txBody>
+          <a:bodyPr rtlCol="0" anchor="ctr"/>
+          <a:lstStyle/>
+          <a:p>
+            <a:pPr algn="ctr"/>
+            <a:r>
+              <a:rPr lang="de-CH" sz="1200" dirty="0" err="1">
+                <a:solidFill>
+                  <a:schemeClr val="tx1"/>
+                </a:solidFill>
+              </a:rPr>
+              <a:t>Process</a:t>
+            </a:r>
+            <a:endParaRPr lang="en-US" sz="1200" dirty="0">
+              <a:solidFill>
+                <a:schemeClr val="tx1"/>
+              </a:solidFill>
+            </a:endParaRPr>
+          </a:p>
+        </p:txBody>
+      </p:sp>
+    </p:spTree>
+    <p:extLst>
+      <p:ext uri="{BB962C8B-B14F-4D97-AF65-F5344CB8AC3E}">
+        <p14:creationId xmlns:p14="http://schemas.microsoft.com/office/powerpoint/2010/main" val="2773582053"/>
       </p:ext>
     </p:extLst>
   </p:cSld>
